--- a/Miscellaneous/Figures/Figures.pptx
+++ b/Miscellaneous/Figures/Figures.pptx
@@ -111,7 +111,7 @@
   </p:defaultTextStyle>
   <p:extLst>
     <p:ext uri="{EFAFB233-063F-42B5-8137-9DF3F51BA10A}">
-      <p15:sldGuideLst xmlns:p15="http://schemas.microsoft.com/office/powerpoint/2012/main" xmlns=""/>
+      <p15:sldGuideLst xmlns="" xmlns:p15="http://schemas.microsoft.com/office/powerpoint/2012/main"/>
     </p:ext>
   </p:extLst>
 </p:presentation>
@@ -248,7 +248,7 @@
           <a:p>
             <a:fld id="{64910B20-29D8-E242-9D57-1BAEDE460CF4}" type="datetimeFigureOut">
               <a:rPr lang="en-US" smtClean="0"/>
-              <a:t>12/13/2015</a:t>
+              <a:t>12/14/2015</a:t>
             </a:fld>
             <a:endParaRPr lang="en-US"/>
           </a:p>
@@ -418,7 +418,7 @@
           <a:p>
             <a:fld id="{64910B20-29D8-E242-9D57-1BAEDE460CF4}" type="datetimeFigureOut">
               <a:rPr lang="en-US" smtClean="0"/>
-              <a:t>12/13/2015</a:t>
+              <a:t>12/14/2015</a:t>
             </a:fld>
             <a:endParaRPr lang="en-US"/>
           </a:p>
@@ -598,7 +598,7 @@
           <a:p>
             <a:fld id="{64910B20-29D8-E242-9D57-1BAEDE460CF4}" type="datetimeFigureOut">
               <a:rPr lang="en-US" smtClean="0"/>
-              <a:t>12/13/2015</a:t>
+              <a:t>12/14/2015</a:t>
             </a:fld>
             <a:endParaRPr lang="en-US"/>
           </a:p>
@@ -768,7 +768,7 @@
           <a:p>
             <a:fld id="{64910B20-29D8-E242-9D57-1BAEDE460CF4}" type="datetimeFigureOut">
               <a:rPr lang="en-US" smtClean="0"/>
-              <a:t>12/13/2015</a:t>
+              <a:t>12/14/2015</a:t>
             </a:fld>
             <a:endParaRPr lang="en-US"/>
           </a:p>
@@ -1014,7 +1014,7 @@
           <a:p>
             <a:fld id="{64910B20-29D8-E242-9D57-1BAEDE460CF4}" type="datetimeFigureOut">
               <a:rPr lang="en-US" smtClean="0"/>
-              <a:t>12/13/2015</a:t>
+              <a:t>12/14/2015</a:t>
             </a:fld>
             <a:endParaRPr lang="en-US"/>
           </a:p>
@@ -1246,7 +1246,7 @@
           <a:p>
             <a:fld id="{64910B20-29D8-E242-9D57-1BAEDE460CF4}" type="datetimeFigureOut">
               <a:rPr lang="en-US" smtClean="0"/>
-              <a:t>12/13/2015</a:t>
+              <a:t>12/14/2015</a:t>
             </a:fld>
             <a:endParaRPr lang="en-US"/>
           </a:p>
@@ -1613,7 +1613,7 @@
           <a:p>
             <a:fld id="{64910B20-29D8-E242-9D57-1BAEDE460CF4}" type="datetimeFigureOut">
               <a:rPr lang="en-US" smtClean="0"/>
-              <a:t>12/13/2015</a:t>
+              <a:t>12/14/2015</a:t>
             </a:fld>
             <a:endParaRPr lang="en-US"/>
           </a:p>
@@ -1731,7 +1731,7 @@
           <a:p>
             <a:fld id="{64910B20-29D8-E242-9D57-1BAEDE460CF4}" type="datetimeFigureOut">
               <a:rPr lang="en-US" smtClean="0"/>
-              <a:t>12/13/2015</a:t>
+              <a:t>12/14/2015</a:t>
             </a:fld>
             <a:endParaRPr lang="en-US"/>
           </a:p>
@@ -1826,7 +1826,7 @@
           <a:p>
             <a:fld id="{64910B20-29D8-E242-9D57-1BAEDE460CF4}" type="datetimeFigureOut">
               <a:rPr lang="en-US" smtClean="0"/>
-              <a:t>12/13/2015</a:t>
+              <a:t>12/14/2015</a:t>
             </a:fld>
             <a:endParaRPr lang="en-US"/>
           </a:p>
@@ -2103,7 +2103,7 @@
           <a:p>
             <a:fld id="{64910B20-29D8-E242-9D57-1BAEDE460CF4}" type="datetimeFigureOut">
               <a:rPr lang="en-US" smtClean="0"/>
-              <a:t>12/13/2015</a:t>
+              <a:t>12/14/2015</a:t>
             </a:fld>
             <a:endParaRPr lang="en-US"/>
           </a:p>
@@ -2356,7 +2356,7 @@
           <a:p>
             <a:fld id="{64910B20-29D8-E242-9D57-1BAEDE460CF4}" type="datetimeFigureOut">
               <a:rPr lang="en-US" smtClean="0"/>
-              <a:t>12/13/2015</a:t>
+              <a:t>12/14/2015</a:t>
             </a:fld>
             <a:endParaRPr lang="en-US"/>
           </a:p>
@@ -2569,7 +2569,7 @@
           <a:p>
             <a:fld id="{64910B20-29D8-E242-9D57-1BAEDE460CF4}" type="datetimeFigureOut">
               <a:rPr lang="en-US" smtClean="0"/>
-              <a:t>12/13/2015</a:t>
+              <a:t>12/14/2015</a:t>
             </a:fld>
             <a:endParaRPr lang="en-US"/>
           </a:p>
@@ -6573,7 +6573,7 @@
             <p:spPr>
               <a:xfrm>
                 <a:off x="899162" y="511646"/>
-                <a:ext cx="3577838" cy="3459191"/>
+                <a:ext cx="3577838" cy="4017125"/>
               </a:xfrm>
               <a:prstGeom prst="rect">
                 <a:avLst/>
@@ -6614,7 +6614,22 @@
                   </a:rPr>
                   <a:t>- Driving Profile</a:t>
                 </a:r>
-                <a:endParaRPr lang="en-US" sz="2400" dirty="0">
+              </a:p>
+              <a:p>
+                <a:pPr>
+                  <a:lnSpc>
+                    <a:spcPct val="150000"/>
+                  </a:lnSpc>
+                </a:pPr>
+                <a:r>
+                  <a:rPr lang="en-US" sz="2000" dirty="0" smtClean="0">
+                    <a:latin typeface="Arial" charset="0"/>
+                    <a:ea typeface="Arial" charset="0"/>
+                    <a:cs typeface="Arial" charset="0"/>
+                  </a:rPr>
+                  <a:t> : based on NHTS Travel Data</a:t>
+                </a:r>
+                <a:endParaRPr lang="en-US" sz="2000" dirty="0">
                   <a:latin typeface="Arial" charset="0"/>
                   <a:ea typeface="Arial" charset="0"/>
                   <a:cs typeface="Arial" charset="0"/>
@@ -6912,7 +6927,7 @@
             <p:spPr>
               <a:xfrm>
                 <a:off x="899162" y="511646"/>
-                <a:ext cx="3577838" cy="3046988"/>
+                <a:ext cx="3577838" cy="3682365"/>
               </a:xfrm>
               <a:prstGeom prst="rect">
                 <a:avLst/>
@@ -7003,6 +7018,22 @@
                     <a:cs typeface="Arial" charset="0"/>
                   </a:rPr>
                   <a:t>σ</a:t>
+                </a:r>
+                <a:r>
+                  <a:rPr lang="en-US" sz="2400" dirty="0" smtClean="0">
+                    <a:latin typeface="Arial" charset="0"/>
+                    <a:ea typeface="Arial" charset="0"/>
+                    <a:cs typeface="Arial" charset="0"/>
+                  </a:rPr>
+                  <a:t>/</a:t>
+                </a:r>
+                <a:r>
+                  <a:rPr lang="en-US" sz="2400" dirty="0" err="1" smtClean="0">
+                    <a:latin typeface="Arial" charset="0"/>
+                    <a:ea typeface="Arial" charset="0"/>
+                    <a:cs typeface="Arial" charset="0"/>
+                  </a:rPr>
+                  <a:t>avg</a:t>
                 </a:r>
                 <a:endParaRPr lang="en-US" sz="2400" dirty="0" smtClean="0">
                   <a:latin typeface="Arial" charset="0"/>
@@ -7173,18 +7204,634 @@
       </p:grpSpPr>
       <p:grpSp>
         <p:nvGrpSpPr>
-          <p:cNvPr id="22" name="그룹 21"/>
+          <p:cNvPr id="62" name="그룹 61"/>
           <p:cNvGrpSpPr/>
           <p:nvPr/>
         </p:nvGrpSpPr>
         <p:grpSpPr>
           <a:xfrm>
-            <a:off x="2954073" y="1397890"/>
-            <a:ext cx="6516183" cy="4595725"/>
-            <a:chOff x="1965208" y="148859"/>
-            <a:chExt cx="6516183" cy="4595725"/>
+            <a:off x="2954073" y="433932"/>
+            <a:ext cx="7468346" cy="5159976"/>
+            <a:chOff x="2954073" y="433932"/>
+            <a:chExt cx="7468346" cy="5159976"/>
           </a:xfrm>
         </p:grpSpPr>
+        <p:grpSp>
+          <p:nvGrpSpPr>
+            <p:cNvPr id="26" name="그룹 25"/>
+            <p:cNvGrpSpPr/>
+            <p:nvPr/>
+          </p:nvGrpSpPr>
+          <p:grpSpPr>
+            <a:xfrm>
+              <a:off x="6479063" y="4032709"/>
+              <a:ext cx="1851490" cy="931642"/>
+              <a:chOff x="4715988" y="2628953"/>
+              <a:chExt cx="1994002" cy="1003352"/>
+            </a:xfrm>
+          </p:grpSpPr>
+          <p:pic>
+            <p:nvPicPr>
+              <p:cNvPr id="29" name="그림 26"/>
+              <p:cNvPicPr>
+                <a:picLocks noChangeAspect="1"/>
+              </p:cNvPicPr>
+              <p:nvPr/>
+            </p:nvPicPr>
+            <p:blipFill>
+              <a:blip r:embed="rId2">
+                <a:extLst>
+                  <a:ext uri="{28A0092B-C50C-407E-A947-70E740481C1C}">
+                    <a14:useLocalDpi xmlns:a14="http://schemas.microsoft.com/office/drawing/2010/main" val="0"/>
+                  </a:ext>
+                </a:extLst>
+              </a:blip>
+              <a:stretch>
+                <a:fillRect/>
+              </a:stretch>
+            </p:blipFill>
+            <p:spPr>
+              <a:xfrm>
+                <a:off x="4715988" y="2628953"/>
+                <a:ext cx="1994002" cy="1003352"/>
+              </a:xfrm>
+              <a:prstGeom prst="rect">
+                <a:avLst/>
+              </a:prstGeom>
+            </p:spPr>
+          </p:pic>
+          <p:sp>
+            <p:nvSpPr>
+              <p:cNvPr id="30" name="TextBox 29"/>
+              <p:cNvSpPr txBox="1"/>
+              <p:nvPr/>
+            </p:nvSpPr>
+            <p:spPr>
+              <a:xfrm>
+                <a:off x="5228463" y="3090564"/>
+                <a:ext cx="1128077" cy="307777"/>
+              </a:xfrm>
+              <a:prstGeom prst="rect">
+                <a:avLst/>
+              </a:prstGeom>
+              <a:noFill/>
+            </p:spPr>
+            <p:txBody>
+              <a:bodyPr wrap="square" rtlCol="0">
+                <a:spAutoFit/>
+              </a:bodyPr>
+              <a:lstStyle/>
+              <a:p>
+                <a:pPr algn="ctr"/>
+                <a:r>
+                  <a:rPr lang="en-US" altLang="ko-KR" sz="1400" b="1" dirty="0" smtClean="0">
+                    <a:solidFill>
+                      <a:schemeClr val="bg1"/>
+                    </a:solidFill>
+                    <a:latin typeface="Arial" panose="020B0604020202020204" pitchFamily="34" charset="0"/>
+                    <a:cs typeface="Arial" panose="020B0604020202020204" pitchFamily="34" charset="0"/>
+                  </a:rPr>
+                  <a:t>EV Agent</a:t>
+                </a:r>
+                <a:endParaRPr lang="ko-KR" altLang="en-US" sz="1400" b="1" dirty="0">
+                  <a:solidFill>
+                    <a:schemeClr val="bg1"/>
+                  </a:solidFill>
+                  <a:latin typeface="Arial" panose="020B0604020202020204" pitchFamily="34" charset="0"/>
+                  <a:cs typeface="Arial" panose="020B0604020202020204" pitchFamily="34" charset="0"/>
+                </a:endParaRPr>
+              </a:p>
+            </p:txBody>
+          </p:sp>
+        </p:grpSp>
+        <p:grpSp>
+          <p:nvGrpSpPr>
+            <p:cNvPr id="23" name="그룹 22"/>
+            <p:cNvGrpSpPr/>
+            <p:nvPr/>
+          </p:nvGrpSpPr>
+          <p:grpSpPr>
+            <a:xfrm>
+              <a:off x="6479063" y="1280711"/>
+              <a:ext cx="1851490" cy="931642"/>
+              <a:chOff x="4715988" y="2628953"/>
+              <a:chExt cx="1994002" cy="1003352"/>
+            </a:xfrm>
+          </p:grpSpPr>
+          <p:pic>
+            <p:nvPicPr>
+              <p:cNvPr id="24" name="그림 26"/>
+              <p:cNvPicPr>
+                <a:picLocks noChangeAspect="1"/>
+              </p:cNvPicPr>
+              <p:nvPr/>
+            </p:nvPicPr>
+            <p:blipFill>
+              <a:blip r:embed="rId2">
+                <a:extLst>
+                  <a:ext uri="{28A0092B-C50C-407E-A947-70E740481C1C}">
+                    <a14:useLocalDpi xmlns:a14="http://schemas.microsoft.com/office/drawing/2010/main" val="0"/>
+                  </a:ext>
+                </a:extLst>
+              </a:blip>
+              <a:stretch>
+                <a:fillRect/>
+              </a:stretch>
+            </p:blipFill>
+            <p:spPr>
+              <a:xfrm>
+                <a:off x="4715988" y="2628953"/>
+                <a:ext cx="1994002" cy="1003352"/>
+              </a:xfrm>
+              <a:prstGeom prst="rect">
+                <a:avLst/>
+              </a:prstGeom>
+            </p:spPr>
+          </p:pic>
+          <p:sp>
+            <p:nvSpPr>
+              <p:cNvPr id="25" name="TextBox 24"/>
+              <p:cNvSpPr txBox="1"/>
+              <p:nvPr/>
+            </p:nvSpPr>
+            <p:spPr>
+              <a:xfrm>
+                <a:off x="5228463" y="3090564"/>
+                <a:ext cx="1128077" cy="307777"/>
+              </a:xfrm>
+              <a:prstGeom prst="rect">
+                <a:avLst/>
+              </a:prstGeom>
+              <a:noFill/>
+            </p:spPr>
+            <p:txBody>
+              <a:bodyPr wrap="square" rtlCol="0">
+                <a:spAutoFit/>
+              </a:bodyPr>
+              <a:lstStyle/>
+              <a:p>
+                <a:pPr algn="ctr"/>
+                <a:r>
+                  <a:rPr lang="en-US" altLang="ko-KR" sz="1400" b="1" dirty="0" smtClean="0">
+                    <a:solidFill>
+                      <a:schemeClr val="bg1"/>
+                    </a:solidFill>
+                    <a:latin typeface="Arial" panose="020B0604020202020204" pitchFamily="34" charset="0"/>
+                    <a:cs typeface="Arial" panose="020B0604020202020204" pitchFamily="34" charset="0"/>
+                  </a:rPr>
+                  <a:t>EV Agent</a:t>
+                </a:r>
+                <a:endParaRPr lang="ko-KR" altLang="en-US" sz="1400" b="1" dirty="0">
+                  <a:solidFill>
+                    <a:schemeClr val="bg1"/>
+                  </a:solidFill>
+                  <a:latin typeface="Arial" panose="020B0604020202020204" pitchFamily="34" charset="0"/>
+                  <a:cs typeface="Arial" panose="020B0604020202020204" pitchFamily="34" charset="0"/>
+                </a:endParaRPr>
+              </a:p>
+            </p:txBody>
+          </p:sp>
+        </p:grpSp>
+        <p:grpSp>
+          <p:nvGrpSpPr>
+            <p:cNvPr id="6" name="그룹 5"/>
+            <p:cNvGrpSpPr/>
+            <p:nvPr/>
+          </p:nvGrpSpPr>
+          <p:grpSpPr>
+            <a:xfrm>
+              <a:off x="4742218" y="2628953"/>
+              <a:ext cx="1851490" cy="931642"/>
+              <a:chOff x="4715988" y="2628953"/>
+              <a:chExt cx="1994002" cy="1003352"/>
+            </a:xfrm>
+          </p:grpSpPr>
+          <p:pic>
+            <p:nvPicPr>
+              <p:cNvPr id="9" name="그림 26"/>
+              <p:cNvPicPr>
+                <a:picLocks noChangeAspect="1"/>
+              </p:cNvPicPr>
+              <p:nvPr/>
+            </p:nvPicPr>
+            <p:blipFill>
+              <a:blip r:embed="rId2">
+                <a:extLst>
+                  <a:ext uri="{28A0092B-C50C-407E-A947-70E740481C1C}">
+                    <a14:useLocalDpi xmlns:a14="http://schemas.microsoft.com/office/drawing/2010/main" val="0"/>
+                  </a:ext>
+                </a:extLst>
+              </a:blip>
+              <a:stretch>
+                <a:fillRect/>
+              </a:stretch>
+            </p:blipFill>
+            <p:spPr>
+              <a:xfrm>
+                <a:off x="4715988" y="2628953"/>
+                <a:ext cx="1994002" cy="1003352"/>
+              </a:xfrm>
+              <a:prstGeom prst="rect">
+                <a:avLst/>
+              </a:prstGeom>
+            </p:spPr>
+          </p:pic>
+          <p:sp>
+            <p:nvSpPr>
+              <p:cNvPr id="4" name="TextBox 3"/>
+              <p:cNvSpPr txBox="1"/>
+              <p:nvPr/>
+            </p:nvSpPr>
+            <p:spPr>
+              <a:xfrm>
+                <a:off x="5228463" y="3090564"/>
+                <a:ext cx="1128077" cy="331467"/>
+              </a:xfrm>
+              <a:prstGeom prst="rect">
+                <a:avLst/>
+              </a:prstGeom>
+              <a:noFill/>
+            </p:spPr>
+            <p:txBody>
+              <a:bodyPr wrap="square" rtlCol="0">
+                <a:spAutoFit/>
+              </a:bodyPr>
+              <a:lstStyle/>
+              <a:p>
+                <a:pPr algn="ctr"/>
+                <a:r>
+                  <a:rPr lang="en-US" altLang="ko-KR" sz="1400" b="1" dirty="0" smtClean="0">
+                    <a:solidFill>
+                      <a:schemeClr val="bg1"/>
+                    </a:solidFill>
+                    <a:latin typeface="Arial" panose="020B0604020202020204" pitchFamily="34" charset="0"/>
+                    <a:cs typeface="Arial" panose="020B0604020202020204" pitchFamily="34" charset="0"/>
+                  </a:rPr>
+                  <a:t>EV Agent</a:t>
+                </a:r>
+                <a:endParaRPr lang="ko-KR" altLang="en-US" sz="1400" b="1" dirty="0">
+                  <a:solidFill>
+                    <a:schemeClr val="bg1"/>
+                  </a:solidFill>
+                  <a:latin typeface="Arial" panose="020B0604020202020204" pitchFamily="34" charset="0"/>
+                  <a:cs typeface="Arial" panose="020B0604020202020204" pitchFamily="34" charset="0"/>
+                </a:endParaRPr>
+              </a:p>
+            </p:txBody>
+          </p:sp>
+        </p:grpSp>
+        <p:grpSp>
+          <p:nvGrpSpPr>
+            <p:cNvPr id="32" name="그룹 31"/>
+            <p:cNvGrpSpPr/>
+            <p:nvPr/>
+          </p:nvGrpSpPr>
+          <p:grpSpPr>
+            <a:xfrm>
+              <a:off x="8356783" y="433932"/>
+              <a:ext cx="1851490" cy="931642"/>
+              <a:chOff x="4715988" y="2628953"/>
+              <a:chExt cx="1994002" cy="1003352"/>
+            </a:xfrm>
+          </p:grpSpPr>
+          <p:pic>
+            <p:nvPicPr>
+              <p:cNvPr id="33" name="그림 26"/>
+              <p:cNvPicPr>
+                <a:picLocks noChangeAspect="1"/>
+              </p:cNvPicPr>
+              <p:nvPr/>
+            </p:nvPicPr>
+            <p:blipFill>
+              <a:blip r:embed="rId2">
+                <a:extLst>
+                  <a:ext uri="{28A0092B-C50C-407E-A947-70E740481C1C}">
+                    <a14:useLocalDpi xmlns:a14="http://schemas.microsoft.com/office/drawing/2010/main" val="0"/>
+                  </a:ext>
+                </a:extLst>
+              </a:blip>
+              <a:stretch>
+                <a:fillRect/>
+              </a:stretch>
+            </p:blipFill>
+            <p:spPr>
+              <a:xfrm>
+                <a:off x="4715988" y="2628953"/>
+                <a:ext cx="1994002" cy="1003352"/>
+              </a:xfrm>
+              <a:prstGeom prst="rect">
+                <a:avLst/>
+              </a:prstGeom>
+            </p:spPr>
+          </p:pic>
+          <p:sp>
+            <p:nvSpPr>
+              <p:cNvPr id="34" name="TextBox 33"/>
+              <p:cNvSpPr txBox="1"/>
+              <p:nvPr/>
+            </p:nvSpPr>
+            <p:spPr>
+              <a:xfrm>
+                <a:off x="5228463" y="3090564"/>
+                <a:ext cx="1128077" cy="307777"/>
+              </a:xfrm>
+              <a:prstGeom prst="rect">
+                <a:avLst/>
+              </a:prstGeom>
+              <a:noFill/>
+            </p:spPr>
+            <p:txBody>
+              <a:bodyPr wrap="square" rtlCol="0">
+                <a:spAutoFit/>
+              </a:bodyPr>
+              <a:lstStyle/>
+              <a:p>
+                <a:pPr algn="ctr"/>
+                <a:r>
+                  <a:rPr lang="en-US" altLang="ko-KR" sz="1400" b="1" dirty="0" smtClean="0">
+                    <a:solidFill>
+                      <a:schemeClr val="bg1"/>
+                    </a:solidFill>
+                    <a:latin typeface="Arial" panose="020B0604020202020204" pitchFamily="34" charset="0"/>
+                    <a:cs typeface="Arial" panose="020B0604020202020204" pitchFamily="34" charset="0"/>
+                  </a:rPr>
+                  <a:t>EV Agent</a:t>
+                </a:r>
+                <a:endParaRPr lang="ko-KR" altLang="en-US" sz="1400" b="1" dirty="0">
+                  <a:solidFill>
+                    <a:schemeClr val="bg1"/>
+                  </a:solidFill>
+                  <a:latin typeface="Arial" panose="020B0604020202020204" pitchFamily="34" charset="0"/>
+                  <a:cs typeface="Arial" panose="020B0604020202020204" pitchFamily="34" charset="0"/>
+                </a:endParaRPr>
+              </a:p>
+            </p:txBody>
+          </p:sp>
+        </p:grpSp>
+        <p:grpSp>
+          <p:nvGrpSpPr>
+            <p:cNvPr id="42" name="그룹 41"/>
+            <p:cNvGrpSpPr/>
+            <p:nvPr/>
+          </p:nvGrpSpPr>
+          <p:grpSpPr>
+            <a:xfrm>
+              <a:off x="8356783" y="1885196"/>
+              <a:ext cx="1851490" cy="931642"/>
+              <a:chOff x="4715988" y="2628953"/>
+              <a:chExt cx="1994002" cy="1003352"/>
+            </a:xfrm>
+          </p:grpSpPr>
+          <p:pic>
+            <p:nvPicPr>
+              <p:cNvPr id="43" name="그림 26"/>
+              <p:cNvPicPr>
+                <a:picLocks noChangeAspect="1"/>
+              </p:cNvPicPr>
+              <p:nvPr/>
+            </p:nvPicPr>
+            <p:blipFill>
+              <a:blip r:embed="rId2">
+                <a:extLst>
+                  <a:ext uri="{28A0092B-C50C-407E-A947-70E740481C1C}">
+                    <a14:useLocalDpi xmlns:a14="http://schemas.microsoft.com/office/drawing/2010/main" val="0"/>
+                  </a:ext>
+                </a:extLst>
+              </a:blip>
+              <a:stretch>
+                <a:fillRect/>
+              </a:stretch>
+            </p:blipFill>
+            <p:spPr>
+              <a:xfrm>
+                <a:off x="4715988" y="2628953"/>
+                <a:ext cx="1994002" cy="1003352"/>
+              </a:xfrm>
+              <a:prstGeom prst="rect">
+                <a:avLst/>
+              </a:prstGeom>
+            </p:spPr>
+          </p:pic>
+          <p:sp>
+            <p:nvSpPr>
+              <p:cNvPr id="44" name="TextBox 43"/>
+              <p:cNvSpPr txBox="1"/>
+              <p:nvPr/>
+            </p:nvSpPr>
+            <p:spPr>
+              <a:xfrm>
+                <a:off x="5228463" y="3090564"/>
+                <a:ext cx="1128077" cy="307777"/>
+              </a:xfrm>
+              <a:prstGeom prst="rect">
+                <a:avLst/>
+              </a:prstGeom>
+              <a:noFill/>
+            </p:spPr>
+            <p:txBody>
+              <a:bodyPr wrap="square" rtlCol="0">
+                <a:spAutoFit/>
+              </a:bodyPr>
+              <a:lstStyle/>
+              <a:p>
+                <a:pPr algn="ctr"/>
+                <a:r>
+                  <a:rPr lang="en-US" altLang="ko-KR" sz="1400" b="1" dirty="0" smtClean="0">
+                    <a:solidFill>
+                      <a:schemeClr val="bg1"/>
+                    </a:solidFill>
+                    <a:latin typeface="Arial" panose="020B0604020202020204" pitchFamily="34" charset="0"/>
+                    <a:cs typeface="Arial" panose="020B0604020202020204" pitchFamily="34" charset="0"/>
+                  </a:rPr>
+                  <a:t>EV Agent</a:t>
+                </a:r>
+                <a:endParaRPr lang="ko-KR" altLang="en-US" sz="1400" b="1" dirty="0">
+                  <a:solidFill>
+                    <a:schemeClr val="bg1"/>
+                  </a:solidFill>
+                  <a:latin typeface="Arial" panose="020B0604020202020204" pitchFamily="34" charset="0"/>
+                  <a:cs typeface="Arial" panose="020B0604020202020204" pitchFamily="34" charset="0"/>
+                </a:endParaRPr>
+              </a:p>
+            </p:txBody>
+          </p:sp>
+        </p:grpSp>
+        <p:grpSp>
+          <p:nvGrpSpPr>
+            <p:cNvPr id="48" name="그룹 47"/>
+            <p:cNvGrpSpPr/>
+            <p:nvPr/>
+          </p:nvGrpSpPr>
+          <p:grpSpPr>
+            <a:xfrm>
+              <a:off x="8356783" y="3196667"/>
+              <a:ext cx="1851490" cy="931642"/>
+              <a:chOff x="4715988" y="2628953"/>
+              <a:chExt cx="1994002" cy="1003352"/>
+            </a:xfrm>
+          </p:grpSpPr>
+          <p:pic>
+            <p:nvPicPr>
+              <p:cNvPr id="49" name="그림 26"/>
+              <p:cNvPicPr>
+                <a:picLocks noChangeAspect="1"/>
+              </p:cNvPicPr>
+              <p:nvPr/>
+            </p:nvPicPr>
+            <p:blipFill>
+              <a:blip r:embed="rId2">
+                <a:extLst>
+                  <a:ext uri="{28A0092B-C50C-407E-A947-70E740481C1C}">
+                    <a14:useLocalDpi xmlns:a14="http://schemas.microsoft.com/office/drawing/2010/main" val="0"/>
+                  </a:ext>
+                </a:extLst>
+              </a:blip>
+              <a:stretch>
+                <a:fillRect/>
+              </a:stretch>
+            </p:blipFill>
+            <p:spPr>
+              <a:xfrm>
+                <a:off x="4715988" y="2628953"/>
+                <a:ext cx="1994002" cy="1003352"/>
+              </a:xfrm>
+              <a:prstGeom prst="rect">
+                <a:avLst/>
+              </a:prstGeom>
+            </p:spPr>
+          </p:pic>
+          <p:sp>
+            <p:nvSpPr>
+              <p:cNvPr id="50" name="TextBox 49"/>
+              <p:cNvSpPr txBox="1"/>
+              <p:nvPr/>
+            </p:nvSpPr>
+            <p:spPr>
+              <a:xfrm>
+                <a:off x="5228463" y="3090564"/>
+                <a:ext cx="1128077" cy="307777"/>
+              </a:xfrm>
+              <a:prstGeom prst="rect">
+                <a:avLst/>
+              </a:prstGeom>
+              <a:noFill/>
+            </p:spPr>
+            <p:txBody>
+              <a:bodyPr wrap="square" rtlCol="0">
+                <a:spAutoFit/>
+              </a:bodyPr>
+              <a:lstStyle/>
+              <a:p>
+                <a:pPr algn="ctr"/>
+                <a:r>
+                  <a:rPr lang="en-US" altLang="ko-KR" sz="1400" b="1" dirty="0" smtClean="0">
+                    <a:solidFill>
+                      <a:schemeClr val="bg1"/>
+                    </a:solidFill>
+                    <a:latin typeface="Arial" panose="020B0604020202020204" pitchFamily="34" charset="0"/>
+                    <a:cs typeface="Arial" panose="020B0604020202020204" pitchFamily="34" charset="0"/>
+                  </a:rPr>
+                  <a:t>EV Agent</a:t>
+                </a:r>
+                <a:endParaRPr lang="ko-KR" altLang="en-US" sz="1400" b="1" dirty="0">
+                  <a:solidFill>
+                    <a:schemeClr val="bg1"/>
+                  </a:solidFill>
+                  <a:latin typeface="Arial" panose="020B0604020202020204" pitchFamily="34" charset="0"/>
+                  <a:cs typeface="Arial" panose="020B0604020202020204" pitchFamily="34" charset="0"/>
+                </a:endParaRPr>
+              </a:p>
+            </p:txBody>
+          </p:sp>
+        </p:grpSp>
+        <p:grpSp>
+          <p:nvGrpSpPr>
+            <p:cNvPr id="51" name="그룹 50"/>
+            <p:cNvGrpSpPr/>
+            <p:nvPr/>
+          </p:nvGrpSpPr>
+          <p:grpSpPr>
+            <a:xfrm>
+              <a:off x="8356783" y="4647931"/>
+              <a:ext cx="1851490" cy="931642"/>
+              <a:chOff x="4715988" y="2628953"/>
+              <a:chExt cx="1994002" cy="1003352"/>
+            </a:xfrm>
+          </p:grpSpPr>
+          <p:pic>
+            <p:nvPicPr>
+              <p:cNvPr id="52" name="그림 26"/>
+              <p:cNvPicPr>
+                <a:picLocks noChangeAspect="1"/>
+              </p:cNvPicPr>
+              <p:nvPr/>
+            </p:nvPicPr>
+            <p:blipFill>
+              <a:blip r:embed="rId2">
+                <a:extLst>
+                  <a:ext uri="{28A0092B-C50C-407E-A947-70E740481C1C}">
+                    <a14:useLocalDpi xmlns:a14="http://schemas.microsoft.com/office/drawing/2010/main" val="0"/>
+                  </a:ext>
+                </a:extLst>
+              </a:blip>
+              <a:stretch>
+                <a:fillRect/>
+              </a:stretch>
+            </p:blipFill>
+            <p:spPr>
+              <a:xfrm>
+                <a:off x="4715988" y="2628953"/>
+                <a:ext cx="1994002" cy="1003352"/>
+              </a:xfrm>
+              <a:prstGeom prst="rect">
+                <a:avLst/>
+              </a:prstGeom>
+            </p:spPr>
+          </p:pic>
+          <p:sp>
+            <p:nvSpPr>
+              <p:cNvPr id="53" name="TextBox 52"/>
+              <p:cNvSpPr txBox="1"/>
+              <p:nvPr/>
+            </p:nvSpPr>
+            <p:spPr>
+              <a:xfrm>
+                <a:off x="5228463" y="3090564"/>
+                <a:ext cx="1128077" cy="307777"/>
+              </a:xfrm>
+              <a:prstGeom prst="rect">
+                <a:avLst/>
+              </a:prstGeom>
+              <a:noFill/>
+            </p:spPr>
+            <p:txBody>
+              <a:bodyPr wrap="square" rtlCol="0">
+                <a:spAutoFit/>
+              </a:bodyPr>
+              <a:lstStyle/>
+              <a:p>
+                <a:pPr algn="ctr"/>
+                <a:r>
+                  <a:rPr lang="en-US" altLang="ko-KR" sz="1400" b="1" dirty="0" smtClean="0">
+                    <a:solidFill>
+                      <a:schemeClr val="bg1"/>
+                    </a:solidFill>
+                    <a:latin typeface="Arial" panose="020B0604020202020204" pitchFamily="34" charset="0"/>
+                    <a:cs typeface="Arial" panose="020B0604020202020204" pitchFamily="34" charset="0"/>
+                  </a:rPr>
+                  <a:t>EV Agent</a:t>
+                </a:r>
+                <a:endParaRPr lang="ko-KR" altLang="en-US" sz="1400" b="1" dirty="0">
+                  <a:solidFill>
+                    <a:schemeClr val="bg1"/>
+                  </a:solidFill>
+                  <a:latin typeface="Arial" panose="020B0604020202020204" pitchFamily="34" charset="0"/>
+                  <a:cs typeface="Arial" panose="020B0604020202020204" pitchFamily="34" charset="0"/>
+                </a:endParaRPr>
+              </a:p>
+            </p:txBody>
+          </p:sp>
+        </p:grpSp>
         <p:pic>
           <p:nvPicPr>
             <p:cNvPr id="5" name="그림 31"/>
@@ -7194,7 +7841,7 @@
             <p:nvPr/>
           </p:nvPicPr>
           <p:blipFill>
-            <a:blip r:embed="rId2" cstate="print">
+            <a:blip r:embed="rId3" cstate="print">
               <a:extLst>
                 <a:ext uri="{28A0092B-C50C-407E-A947-70E740481C1C}">
                   <a14:useLocalDpi xmlns:a14="http://schemas.microsoft.com/office/drawing/2010/main" val="0"/>
@@ -7207,98 +7854,8 @@
           </p:blipFill>
           <p:spPr>
             <a:xfrm>
-              <a:off x="2053474" y="1795062"/>
-              <a:ext cx="1055062" cy="1674178"/>
-            </a:xfrm>
-            <a:prstGeom prst="rect">
-              <a:avLst/>
-            </a:prstGeom>
-          </p:spPr>
-        </p:pic>
-        <p:pic>
-          <p:nvPicPr>
-            <p:cNvPr id="9" name="그림 26"/>
-            <p:cNvPicPr>
-              <a:picLocks noChangeAspect="1"/>
-            </p:cNvPicPr>
-            <p:nvPr/>
-          </p:nvPicPr>
-          <p:blipFill>
-            <a:blip r:embed="rId3">
-              <a:extLst>
-                <a:ext uri="{28A0092B-C50C-407E-A947-70E740481C1C}">
-                  <a14:useLocalDpi xmlns:a14="http://schemas.microsoft.com/office/drawing/2010/main" val="0"/>
-                </a:ext>
-              </a:extLst>
-            </a:blip>
-            <a:stretch>
-              <a:fillRect/>
-            </a:stretch>
-          </p:blipFill>
-          <p:spPr>
-            <a:xfrm>
-              <a:off x="3727123" y="2130476"/>
-              <a:ext cx="1994002" cy="1003352"/>
-            </a:xfrm>
-            <a:prstGeom prst="rect">
-              <a:avLst/>
-            </a:prstGeom>
-          </p:spPr>
-        </p:pic>
-        <p:pic>
-          <p:nvPicPr>
-            <p:cNvPr id="11" name="그림 27"/>
-            <p:cNvPicPr>
-              <a:picLocks noChangeAspect="1"/>
-            </p:cNvPicPr>
-            <p:nvPr/>
-          </p:nvPicPr>
-          <p:blipFill>
-            <a:blip r:embed="rId3">
-              <a:extLst>
-                <a:ext uri="{28A0092B-C50C-407E-A947-70E740481C1C}">
-                  <a14:useLocalDpi xmlns:a14="http://schemas.microsoft.com/office/drawing/2010/main" val="0"/>
-                </a:ext>
-              </a:extLst>
-            </a:blip>
-            <a:stretch>
-              <a:fillRect/>
-            </a:stretch>
-          </p:blipFill>
-          <p:spPr>
-            <a:xfrm>
-              <a:off x="6212165" y="3559888"/>
-              <a:ext cx="1994002" cy="1003352"/>
-            </a:xfrm>
-            <a:prstGeom prst="rect">
-              <a:avLst/>
-            </a:prstGeom>
-          </p:spPr>
-        </p:pic>
-        <p:pic>
-          <p:nvPicPr>
-            <p:cNvPr id="12" name="그림 25"/>
-            <p:cNvPicPr>
-              <a:picLocks noChangeAspect="1"/>
-            </p:cNvPicPr>
-            <p:nvPr/>
-          </p:nvPicPr>
-          <p:blipFill>
-            <a:blip r:embed="rId3">
-              <a:extLst>
-                <a:ext uri="{28A0092B-C50C-407E-A947-70E740481C1C}">
-                  <a14:useLocalDpi xmlns:a14="http://schemas.microsoft.com/office/drawing/2010/main" val="0"/>
-                </a:ext>
-              </a:extLst>
-            </a:blip>
-            <a:stretch>
-              <a:fillRect/>
-            </a:stretch>
-          </p:blipFill>
-          <p:spPr>
-            <a:xfrm>
-              <a:off x="6212165" y="701064"/>
-              <a:ext cx="1994002" cy="1003352"/>
+              <a:off x="3042339" y="1442087"/>
+              <a:ext cx="1055062" cy="3367220"/>
             </a:xfrm>
             <a:prstGeom prst="rect">
               <a:avLst/>
@@ -7313,7 +7870,7 @@
           </p:nvCxnSpPr>
           <p:spPr>
             <a:xfrm>
-              <a:off x="2748496" y="2632152"/>
+              <a:off x="3737361" y="3130629"/>
               <a:ext cx="1121139" cy="0"/>
             </a:xfrm>
             <a:prstGeom prst="line">
@@ -7349,7 +7906,7 @@
           </p:nvSpPr>
           <p:spPr>
             <a:xfrm>
-              <a:off x="2928515" y="2447486"/>
+              <a:off x="3917380" y="2945963"/>
               <a:ext cx="451817" cy="360040"/>
             </a:xfrm>
             <a:prstGeom prst="lightningBolt">
@@ -7397,7 +7954,7 @@
           </p:nvSpPr>
           <p:spPr>
             <a:xfrm>
-              <a:off x="4556749" y="1556863"/>
+              <a:off x="5310808" y="2182157"/>
               <a:ext cx="1655416" cy="369332"/>
             </a:xfrm>
             <a:prstGeom prst="rect">
@@ -7436,7 +7993,7 @@
           </p:nvSpPr>
           <p:spPr>
             <a:xfrm>
-              <a:off x="5686272" y="2447486"/>
+              <a:off x="6601708" y="2550568"/>
               <a:ext cx="1655416" cy="369332"/>
             </a:xfrm>
             <a:prstGeom prst="rect">
@@ -7467,80 +8024,6 @@
             </a:p>
           </p:txBody>
         </p:sp>
-        <p:cxnSp>
-          <p:nvCxnSpPr>
-            <p:cNvPr id="39" name="Straight Arrow Connector 38"/>
-            <p:cNvCxnSpPr/>
-            <p:nvPr/>
-          </p:nvCxnSpPr>
-          <p:spPr>
-            <a:xfrm flipV="1">
-              <a:off x="5460342" y="1639814"/>
-              <a:ext cx="936000" cy="720000"/>
-            </a:xfrm>
-            <a:prstGeom prst="straightConnector1">
-              <a:avLst/>
-            </a:prstGeom>
-            <a:ln w="25400">
-              <a:solidFill>
-                <a:schemeClr val="tx1"/>
-              </a:solidFill>
-              <a:headEnd type="triangle"/>
-              <a:tailEnd type="triangle"/>
-            </a:ln>
-          </p:spPr>
-          <p:style>
-            <a:lnRef idx="1">
-              <a:schemeClr val="accent1"/>
-            </a:lnRef>
-            <a:fillRef idx="0">
-              <a:schemeClr val="accent1"/>
-            </a:fillRef>
-            <a:effectRef idx="0">
-              <a:schemeClr val="accent1"/>
-            </a:effectRef>
-            <a:fontRef idx="minor">
-              <a:schemeClr val="tx1"/>
-            </a:fontRef>
-          </p:style>
-        </p:cxnSp>
-        <p:cxnSp>
-          <p:nvCxnSpPr>
-            <p:cNvPr id="41" name="Straight Arrow Connector 40"/>
-            <p:cNvCxnSpPr/>
-            <p:nvPr/>
-          </p:nvCxnSpPr>
-          <p:spPr>
-            <a:xfrm>
-              <a:off x="5460342" y="3031916"/>
-              <a:ext cx="936000" cy="720000"/>
-            </a:xfrm>
-            <a:prstGeom prst="straightConnector1">
-              <a:avLst/>
-            </a:prstGeom>
-            <a:ln w="25400">
-              <a:solidFill>
-                <a:schemeClr val="tx1"/>
-              </a:solidFill>
-              <a:headEnd type="triangle"/>
-              <a:tailEnd type="triangle"/>
-            </a:ln>
-          </p:spPr>
-          <p:style>
-            <a:lnRef idx="1">
-              <a:schemeClr val="accent1"/>
-            </a:lnRef>
-            <a:fillRef idx="0">
-              <a:schemeClr val="accent1"/>
-            </a:fillRef>
-            <a:effectRef idx="0">
-              <a:schemeClr val="accent1"/>
-            </a:effectRef>
-            <a:fontRef idx="minor">
-              <a:schemeClr val="tx1"/>
-            </a:fontRef>
-          </p:style>
-        </p:cxnSp>
         <p:sp>
           <p:nvSpPr>
             <p:cNvPr id="2" name="Rectangle 1"/>
@@ -7549,8 +8032,8 @@
           </p:nvSpPr>
           <p:spPr>
             <a:xfrm>
-              <a:off x="3578087" y="519717"/>
-              <a:ext cx="4903304" cy="4224867"/>
+              <a:off x="4489422" y="481819"/>
+              <a:ext cx="5932997" cy="5112089"/>
             </a:xfrm>
             <a:prstGeom prst="rect">
               <a:avLst/>
@@ -7596,7 +8079,7 @@
           </p:nvSpPr>
           <p:spPr>
             <a:xfrm>
-              <a:off x="5325674" y="148859"/>
+              <a:off x="4523837" y="536635"/>
               <a:ext cx="1574802" cy="338554"/>
             </a:xfrm>
             <a:prstGeom prst="rect">
@@ -7612,7 +8095,7 @@
             <a:p>
               <a:pPr algn="ctr"/>
               <a:r>
-                <a:rPr lang="en-US" sz="1600" dirty="0" smtClean="0">
+                <a:rPr lang="en-US" sz="1600" b="1" dirty="0" smtClean="0">
                   <a:solidFill>
                     <a:srgbClr val="FF0000"/>
                   </a:solidFill>
@@ -7623,7 +8106,7 @@
                 <a:t>EV </a:t>
               </a:r>
               <a:r>
-                <a:rPr lang="en-US" sz="1600" dirty="0" err="1" smtClean="0">
+                <a:rPr lang="en-US" sz="1600" b="1" dirty="0" err="1" smtClean="0">
                   <a:solidFill>
                     <a:srgbClr val="FF0000"/>
                   </a:solidFill>
@@ -7633,7 +8116,7 @@
                 </a:rPr>
                 <a:t>Microgrid</a:t>
               </a:r>
-              <a:endParaRPr lang="en-US" sz="1600" dirty="0">
+              <a:endParaRPr lang="en-US" sz="1600" b="1" dirty="0">
                 <a:solidFill>
                   <a:srgbClr val="FF0000"/>
                 </a:solidFill>
@@ -7652,7 +8135,7 @@
           </p:nvSpPr>
           <p:spPr>
             <a:xfrm>
-              <a:off x="1965208" y="1210287"/>
+              <a:off x="2954073" y="772172"/>
               <a:ext cx="1231593" cy="584775"/>
             </a:xfrm>
             <a:prstGeom prst="rect">
@@ -7712,53 +8195,14 @@
         </p:sp>
         <p:cxnSp>
           <p:nvCxnSpPr>
-            <p:cNvPr id="20" name="Straight Arrow Connector 38"/>
+            <p:cNvPr id="15" name="직선 연결선 14"/>
             <p:cNvCxnSpPr/>
             <p:nvPr/>
           </p:nvCxnSpPr>
           <p:spPr>
-            <a:xfrm flipV="1">
-              <a:off x="7341688" y="1897636"/>
-              <a:ext cx="0" cy="1388903"/>
-            </a:xfrm>
-            <a:prstGeom prst="straightConnector1">
-              <a:avLst/>
-            </a:prstGeom>
-            <a:ln w="25400">
-              <a:solidFill>
-                <a:schemeClr val="tx1"/>
-              </a:solidFill>
-              <a:headEnd type="triangle"/>
-              <a:tailEnd type="triangle"/>
-            </a:ln>
-          </p:spPr>
-          <p:style>
-            <a:lnRef idx="1">
-              <a:schemeClr val="accent1"/>
-            </a:lnRef>
-            <a:fillRef idx="0">
-              <a:schemeClr val="accent1"/>
-            </a:fillRef>
-            <a:effectRef idx="0">
-              <a:schemeClr val="accent1"/>
-            </a:effectRef>
-            <a:fontRef idx="minor">
-              <a:schemeClr val="tx1"/>
-            </a:fontRef>
-          </p:style>
-        </p:cxnSp>
-        <p:cxnSp>
-          <p:nvCxnSpPr>
-            <p:cNvPr id="15" name="직선 연결선 14"/>
-            <p:cNvCxnSpPr>
-              <a:endCxn id="12" idx="1"/>
-            </p:cNvCxnSpPr>
-            <p:nvPr/>
-          </p:nvCxnSpPr>
-          <p:spPr>
-            <a:xfrm flipV="1">
-              <a:off x="3154423" y="1202740"/>
-              <a:ext cx="3060000" cy="720000"/>
+            <a:xfrm>
+              <a:off x="4049865" y="1885196"/>
+              <a:ext cx="2503513" cy="0"/>
             </a:xfrm>
             <a:prstGeom prst="line">
               <a:avLst/>
@@ -7793,7 +8237,7 @@
           </p:nvSpPr>
           <p:spPr>
             <a:xfrm>
-              <a:off x="4227499" y="1103805"/>
+              <a:off x="4911999" y="1672200"/>
               <a:ext cx="451817" cy="360040"/>
             </a:xfrm>
             <a:prstGeom prst="lightningBolt">
@@ -7841,8 +8285,8 @@
           </p:nvCxnSpPr>
           <p:spPr>
             <a:xfrm>
-              <a:off x="3108535" y="3388460"/>
-              <a:ext cx="3060000" cy="720000"/>
+              <a:off x="4043897" y="4530805"/>
+              <a:ext cx="2502000" cy="0"/>
             </a:xfrm>
             <a:prstGeom prst="line">
               <a:avLst/>
@@ -7877,7 +8321,7 @@
           </p:nvSpPr>
           <p:spPr>
             <a:xfrm>
-              <a:off x="4227498" y="3814010"/>
+              <a:off x="4911999" y="4325739"/>
               <a:ext cx="451817" cy="360040"/>
             </a:xfrm>
             <a:prstGeom prst="lightningBolt">
@@ -7917,6 +8361,228 @@
             </a:p>
           </p:txBody>
         </p:sp>
+        <p:cxnSp>
+          <p:nvCxnSpPr>
+            <p:cNvPr id="19" name="직선 화살표 연결선 18"/>
+            <p:cNvCxnSpPr/>
+            <p:nvPr/>
+          </p:nvCxnSpPr>
+          <p:spPr>
+            <a:xfrm>
+              <a:off x="6449207" y="3616405"/>
+              <a:ext cx="468000" cy="540000"/>
+            </a:xfrm>
+            <a:prstGeom prst="straightConnector1">
+              <a:avLst/>
+            </a:prstGeom>
+            <a:ln w="25400">
+              <a:solidFill>
+                <a:schemeClr val="tx1"/>
+              </a:solidFill>
+              <a:headEnd type="arrow"/>
+              <a:tailEnd type="arrow"/>
+            </a:ln>
+          </p:spPr>
+          <p:style>
+            <a:lnRef idx="1">
+              <a:schemeClr val="accent1"/>
+            </a:lnRef>
+            <a:fillRef idx="0">
+              <a:schemeClr val="accent1"/>
+            </a:fillRef>
+            <a:effectRef idx="0">
+              <a:schemeClr val="accent1"/>
+            </a:effectRef>
+            <a:fontRef idx="minor">
+              <a:schemeClr val="tx1"/>
+            </a:fontRef>
+          </p:style>
+        </p:cxnSp>
+        <p:cxnSp>
+          <p:nvCxnSpPr>
+            <p:cNvPr id="56" name="직선 화살표 연결선 55"/>
+            <p:cNvCxnSpPr/>
+            <p:nvPr/>
+          </p:nvCxnSpPr>
+          <p:spPr>
+            <a:xfrm flipV="1">
+              <a:off x="6449207" y="2304997"/>
+              <a:ext cx="468000" cy="540000"/>
+            </a:xfrm>
+            <a:prstGeom prst="straightConnector1">
+              <a:avLst/>
+            </a:prstGeom>
+            <a:ln w="25400">
+              <a:solidFill>
+                <a:schemeClr val="tx1"/>
+              </a:solidFill>
+              <a:headEnd type="arrow"/>
+              <a:tailEnd type="arrow"/>
+            </a:ln>
+          </p:spPr>
+          <p:style>
+            <a:lnRef idx="1">
+              <a:schemeClr val="accent1"/>
+            </a:lnRef>
+            <a:fillRef idx="0">
+              <a:schemeClr val="accent1"/>
+            </a:fillRef>
+            <a:effectRef idx="0">
+              <a:schemeClr val="accent1"/>
+            </a:effectRef>
+            <a:fontRef idx="minor">
+              <a:schemeClr val="tx1"/>
+            </a:fontRef>
+          </p:style>
+        </p:cxnSp>
+        <p:cxnSp>
+          <p:nvCxnSpPr>
+            <p:cNvPr id="57" name="직선 화살표 연결선 56"/>
+            <p:cNvCxnSpPr/>
+            <p:nvPr/>
+          </p:nvCxnSpPr>
+          <p:spPr>
+            <a:xfrm flipV="1">
+              <a:off x="8162539" y="1209079"/>
+              <a:ext cx="360000" cy="360000"/>
+            </a:xfrm>
+            <a:prstGeom prst="straightConnector1">
+              <a:avLst/>
+            </a:prstGeom>
+            <a:ln w="25400">
+              <a:solidFill>
+                <a:schemeClr val="tx1"/>
+              </a:solidFill>
+              <a:headEnd type="arrow"/>
+              <a:tailEnd type="arrow"/>
+            </a:ln>
+          </p:spPr>
+          <p:style>
+            <a:lnRef idx="1">
+              <a:schemeClr val="accent1"/>
+            </a:lnRef>
+            <a:fillRef idx="0">
+              <a:schemeClr val="accent1"/>
+            </a:fillRef>
+            <a:effectRef idx="0">
+              <a:schemeClr val="accent1"/>
+            </a:effectRef>
+            <a:fontRef idx="minor">
+              <a:schemeClr val="tx1"/>
+            </a:fontRef>
+          </p:style>
+        </p:cxnSp>
+        <p:cxnSp>
+          <p:nvCxnSpPr>
+            <p:cNvPr id="58" name="직선 화살표 연결선 57"/>
+            <p:cNvCxnSpPr/>
+            <p:nvPr/>
+          </p:nvCxnSpPr>
+          <p:spPr>
+            <a:xfrm flipV="1">
+              <a:off x="8162539" y="3976405"/>
+              <a:ext cx="360000" cy="360000"/>
+            </a:xfrm>
+            <a:prstGeom prst="straightConnector1">
+              <a:avLst/>
+            </a:prstGeom>
+            <a:ln w="25400">
+              <a:solidFill>
+                <a:schemeClr val="tx1"/>
+              </a:solidFill>
+              <a:headEnd type="arrow"/>
+              <a:tailEnd type="arrow"/>
+            </a:ln>
+          </p:spPr>
+          <p:style>
+            <a:lnRef idx="1">
+              <a:schemeClr val="accent1"/>
+            </a:lnRef>
+            <a:fillRef idx="0">
+              <a:schemeClr val="accent1"/>
+            </a:fillRef>
+            <a:effectRef idx="0">
+              <a:schemeClr val="accent1"/>
+            </a:effectRef>
+            <a:fontRef idx="minor">
+              <a:schemeClr val="tx1"/>
+            </a:fontRef>
+          </p:style>
+        </p:cxnSp>
+        <p:cxnSp>
+          <p:nvCxnSpPr>
+            <p:cNvPr id="59" name="직선 화살표 연결선 58"/>
+            <p:cNvCxnSpPr/>
+            <p:nvPr/>
+          </p:nvCxnSpPr>
+          <p:spPr>
+            <a:xfrm>
+              <a:off x="8162539" y="2032353"/>
+              <a:ext cx="360000" cy="360000"/>
+            </a:xfrm>
+            <a:prstGeom prst="straightConnector1">
+              <a:avLst/>
+            </a:prstGeom>
+            <a:ln w="25400">
+              <a:solidFill>
+                <a:schemeClr val="tx1"/>
+              </a:solidFill>
+              <a:headEnd type="arrow"/>
+              <a:tailEnd type="arrow"/>
+            </a:ln>
+          </p:spPr>
+          <p:style>
+            <a:lnRef idx="1">
+              <a:schemeClr val="accent1"/>
+            </a:lnRef>
+            <a:fillRef idx="0">
+              <a:schemeClr val="accent1"/>
+            </a:fillRef>
+            <a:effectRef idx="0">
+              <a:schemeClr val="accent1"/>
+            </a:effectRef>
+            <a:fontRef idx="minor">
+              <a:schemeClr val="tx1"/>
+            </a:fontRef>
+          </p:style>
+        </p:cxnSp>
+        <p:cxnSp>
+          <p:nvCxnSpPr>
+            <p:cNvPr id="61" name="직선 화살표 연결선 60"/>
+            <p:cNvCxnSpPr/>
+            <p:nvPr/>
+          </p:nvCxnSpPr>
+          <p:spPr>
+            <a:xfrm>
+              <a:off x="8162539" y="4809307"/>
+              <a:ext cx="360000" cy="360000"/>
+            </a:xfrm>
+            <a:prstGeom prst="straightConnector1">
+              <a:avLst/>
+            </a:prstGeom>
+            <a:ln w="25400">
+              <a:solidFill>
+                <a:schemeClr val="tx1"/>
+              </a:solidFill>
+              <a:headEnd type="arrow"/>
+              <a:tailEnd type="arrow"/>
+            </a:ln>
+          </p:spPr>
+          <p:style>
+            <a:lnRef idx="1">
+              <a:schemeClr val="accent1"/>
+            </a:lnRef>
+            <a:fillRef idx="0">
+              <a:schemeClr val="accent1"/>
+            </a:fillRef>
+            <a:effectRef idx="0">
+              <a:schemeClr val="accent1"/>
+            </a:effectRef>
+            <a:fontRef idx="minor">
+              <a:schemeClr val="tx1"/>
+            </a:fontRef>
+          </p:style>
+        </p:cxnSp>
       </p:grpSp>
     </p:spTree>
     <p:extLst>
@@ -8186,7 +8852,7 @@
   <a:extraClrSchemeLst/>
   <a:extLst>
     <a:ext uri="{05A4C25C-085E-4340-85A3-A5531E510DB2}">
-      <thm15:themeFamily xmlns:thm15="http://schemas.microsoft.com/office/thememl/2012/main" xmlns="" name="Office Theme" id="{62F939B6-93AF-4DB8-9C6B-D6C7DFDC589F}" vid="{4A3C46E8-61CC-4603-A589-7422A47A8E4A}"/>
+      <thm15:themeFamily xmlns="" xmlns:thm15="http://schemas.microsoft.com/office/thememl/2012/main" name="Office Theme" id="{62F939B6-93AF-4DB8-9C6B-D6C7DFDC589F}" vid="{4A3C46E8-61CC-4603-A589-7422A47A8E4A}"/>
     </a:ext>
   </a:extLst>
 </a:theme>
